--- a/Sy_Unet_CNN.pptx
+++ b/Sy_Unet_CNN.pptx
@@ -2739,7 +2739,7 @@
           </a:ln>
           <a:extLst>
             <a:ext uri="{C572A759-6A51-4108-AA02-DFA0A04FC94B}">
-              <ma14:wrappingTextBoxFlag xmlns="" xmlns:ma14="http://schemas.microsoft.com/office/mac/drawingml/2011/main" val="1"/>
+              <ma14:wrappingTextBoxFlag xmlns:ma14="http://schemas.microsoft.com/office/mac/drawingml/2011/main" xmlns="" val="1"/>
             </a:ext>
           </a:extLst>
         </p:spPr>
@@ -3123,7 +3123,7 @@
           </a:ln>
           <a:extLst>
             <a:ext uri="{C572A759-6A51-4108-AA02-DFA0A04FC94B}">
-              <ma14:wrappingTextBoxFlag xmlns="" xmlns:ma14="http://schemas.microsoft.com/office/mac/drawingml/2011/main" val="1"/>
+              <ma14:wrappingTextBoxFlag xmlns:ma14="http://schemas.microsoft.com/office/mac/drawingml/2011/main" xmlns="" val="1"/>
             </a:ext>
           </a:extLst>
         </p:spPr>
@@ -3511,7 +3511,7 @@
           </a:ln>
           <a:extLst>
             <a:ext uri="{C572A759-6A51-4108-AA02-DFA0A04FC94B}">
-              <ma14:wrappingTextBoxFlag xmlns="" xmlns:ma14="http://schemas.microsoft.com/office/mac/drawingml/2011/main" val="1"/>
+              <ma14:wrappingTextBoxFlag xmlns:ma14="http://schemas.microsoft.com/office/mac/drawingml/2011/main" xmlns="" val="1"/>
             </a:ext>
           </a:extLst>
         </p:spPr>
@@ -3895,7 +3895,7 @@
           <a:p>
             <a:pPr>
               <a:lnSpc>
-                <a:spcPct val="150000"/>
+                <a:spcPct val="100000"/>
               </a:lnSpc>
             </a:pPr>
             <a:r>
@@ -3906,7 +3906,7 @@
           <a:p>
             <a:pPr>
               <a:lnSpc>
-                <a:spcPct val="150000"/>
+                <a:spcPct val="100000"/>
               </a:lnSpc>
             </a:pPr>
             <a:r>
@@ -3917,7 +3917,7 @@
           <a:p>
             <a:pPr lvl="1">
               <a:lnSpc>
-                <a:spcPct val="150000"/>
+                <a:spcPct val="100000"/>
               </a:lnSpc>
             </a:pPr>
             <a:r>
@@ -3928,7 +3928,7 @@
           <a:p>
             <a:pPr lvl="1">
               <a:lnSpc>
-                <a:spcPct val="150000"/>
+                <a:spcPct val="100000"/>
               </a:lnSpc>
             </a:pPr>
             <a:r>
@@ -3939,7 +3939,7 @@
           <a:p>
             <a:pPr>
               <a:lnSpc>
-                <a:spcPct val="150000"/>
+                <a:spcPct val="100000"/>
               </a:lnSpc>
             </a:pPr>
             <a:r>
@@ -3950,7 +3950,7 @@
           <a:p>
             <a:pPr>
               <a:lnSpc>
-                <a:spcPct val="150000"/>
+                <a:spcPct val="100000"/>
               </a:lnSpc>
             </a:pPr>
             <a:r>
@@ -3961,7 +3961,7 @@
           <a:p>
             <a:pPr lvl="1">
               <a:lnSpc>
-                <a:spcPct val="150000"/>
+                <a:spcPct val="100000"/>
               </a:lnSpc>
             </a:pPr>
             <a:r>
@@ -3972,13 +3972,39 @@
           <a:p>
             <a:pPr lvl="1">
               <a:lnSpc>
-                <a:spcPct val="150000"/>
+                <a:spcPct val="100000"/>
               </a:lnSpc>
             </a:pPr>
             <a:r>
               <a:rPr lang="en-US" sz="2400"/>
               <a:t>Transformers</a:t>
             </a:r>
+          </a:p>
+          <a:p>
+            <a:pPr lvl="1">
+              <a:lnSpc>
+                <a:spcPct val="100000"/>
+              </a:lnSpc>
+            </a:pPr>
+            <a:endParaRPr lang="en-US" sz="2400"/>
+          </a:p>
+          <a:p>
+            <a:pPr>
+              <a:lnSpc>
+                <a:spcPct val="100000"/>
+              </a:lnSpc>
+            </a:pPr>
+            <a:r>
+              <a:rPr lang="en-US" sz="2800"/>
+              <a:t> My codes: </a:t>
+            </a:r>
+            <a:r>
+              <a:rPr lang="en-US" sz="2800">
+                <a:hlinkClick r:id="rId3"/>
+              </a:rPr>
+              <a:t>https://github.com/sy-nguyen-van/Deep_Learning_Sy</a:t>
+            </a:r>
+            <a:endParaRPr lang="en-US" sz="2800"/>
           </a:p>
         </p:txBody>
       </p:sp>
@@ -4162,14 +4188,14 @@
           <a:p>
             <a:r>
               <a:rPr lang="en-US"/>
-              <a:t>How to create optimal designs:</a:t>
+              <a:t> How to create optimal designs:</a:t>
             </a:r>
           </a:p>
           <a:p>
             <a:pPr lvl="1"/>
             <a:r>
               <a:rPr lang="en-US"/>
-              <a:t> As lightweight as possible</a:t>
+              <a:t>As lightweight as possible</a:t>
             </a:r>
           </a:p>
           <a:p>
@@ -4636,7 +4662,7 @@
         <p:spPr>
           <a:xfrm>
             <a:off x="8629531" y="5853582"/>
-            <a:ext cx="2112041" cy="400110"/>
+            <a:ext cx="2112041" cy="461665"/>
           </a:xfrm>
           <a:prstGeom prst="rect">
             <a:avLst/>
@@ -4651,10 +4677,18 @@
           <a:p>
             <a:pPr algn="ctr"/>
             <a:r>
-              <a:rPr lang="en-US" sz="2000"/>
+              <a:rPr lang="en-US" sz="2400">
+                <a:latin typeface="Calibri" panose="020F0502020204030204" pitchFamily="34" charset="0"/>
+                <a:ea typeface="Calibri" panose="020F0502020204030204" pitchFamily="34" charset="0"/>
+                <a:cs typeface="Calibri" panose="020F0502020204030204" pitchFamily="34" charset="0"/>
+              </a:rPr>
               <a:t>Optimal design</a:t>
             </a:r>
-            <a:endParaRPr lang="en-US" sz="2000" dirty="0"/>
+            <a:endParaRPr lang="en-US" sz="2400" dirty="0">
+              <a:latin typeface="Calibri" panose="020F0502020204030204" pitchFamily="34" charset="0"/>
+              <a:ea typeface="Calibri" panose="020F0502020204030204" pitchFamily="34" charset="0"/>
+              <a:cs typeface="Calibri" panose="020F0502020204030204" pitchFamily="34" charset="0"/>
+            </a:endParaRPr>
           </a:p>
         </p:txBody>
       </p:sp>
@@ -5067,31 +5101,6 @@
       </p:sp>
       <p:sp>
         <p:nvSpPr>
-          <p:cNvPr id="8" name="Content Placeholder 7">
-            <a:extLst>
-              <a:ext uri="{FF2B5EF4-FFF2-40B4-BE49-F238E27FC236}">
-                <a16:creationId xmlns:a16="http://schemas.microsoft.com/office/drawing/2014/main" id="{AE98C084-C77D-7311-550E-81716EB0D629}"/>
-              </a:ext>
-            </a:extLst>
-          </p:cNvPr>
-          <p:cNvSpPr>
-            <a:spLocks noGrp="1"/>
-          </p:cNvSpPr>
-          <p:nvPr>
-            <p:ph idx="1"/>
-          </p:nvPr>
-        </p:nvSpPr>
-        <p:spPr/>
-        <p:txBody>
-          <a:bodyPr/>
-          <a:lstStyle/>
-          <a:p>
-            <a:endParaRPr lang="en-US"/>
-          </a:p>
-        </p:txBody>
-      </p:sp>
-      <p:sp>
-        <p:nvSpPr>
           <p:cNvPr id="149" name="Google Shape;149;p6">
             <a:extLst>
               <a:ext uri="{FF2B5EF4-FFF2-40B4-BE49-F238E27FC236}">
@@ -5200,7 +5209,7 @@
         <p:spPr>
           <a:xfrm>
             <a:off x="6467623" y="5173859"/>
-            <a:ext cx="5490696" cy="646331"/>
+            <a:ext cx="5490696" cy="707886"/>
           </a:xfrm>
           <a:prstGeom prst="rect">
             <a:avLst/>
@@ -5215,7 +5224,7 @@
           <a:p>
             <a:pPr algn="ctr"/>
             <a:r>
-              <a:rPr lang="en-US" b="0" i="0">
+              <a:rPr lang="en-US" sz="2000" b="0" i="0">
                 <a:solidFill>
                   <a:srgbClr val="333333"/>
                 </a:solidFill>
@@ -5224,9 +5233,9 @@
                 <a:ea typeface="Calibri" panose="020F0502020204030204" pitchFamily="34" charset="0"/>
                 <a:cs typeface="Calibri" panose="020F0502020204030204" pitchFamily="34" charset="0"/>
               </a:rPr>
-              <a:t>Airbus use topology optimization in aircraft wings to  save 1000 kg of weight</a:t>
-            </a:r>
-            <a:endParaRPr lang="en-US">
+              <a:t>Airbus uses topology optimization in aircraft wings to  save 1000 kg of weight</a:t>
+            </a:r>
+            <a:endParaRPr lang="en-US" sz="2000">
               <a:latin typeface="Calibri" panose="020F0502020204030204" pitchFamily="34" charset="0"/>
               <a:ea typeface="Calibri" panose="020F0502020204030204" pitchFamily="34" charset="0"/>
               <a:cs typeface="Calibri" panose="020F0502020204030204" pitchFamily="34" charset="0"/>
@@ -5375,7 +5384,7 @@
         <p:spPr>
           <a:xfrm>
             <a:off x="727668" y="5312358"/>
-            <a:ext cx="3697187" cy="369332"/>
+            <a:ext cx="3697187" cy="400110"/>
           </a:xfrm>
           <a:prstGeom prst="rect">
             <a:avLst/>
@@ -5390,7 +5399,7 @@
           <a:p>
             <a:pPr algn="ctr"/>
             <a:r>
-              <a:rPr lang="en-US" b="0" i="0">
+              <a:rPr lang="en-US" sz="2000" b="0" i="0">
                 <a:solidFill>
                   <a:srgbClr val="333333"/>
                 </a:solidFill>
@@ -5401,7 +5410,7 @@
               </a:rPr>
               <a:t>Optimal bridge design</a:t>
             </a:r>
-            <a:endParaRPr lang="en-US">
+            <a:endParaRPr lang="en-US" sz="2000">
               <a:latin typeface="Calibri" panose="020F0502020204030204" pitchFamily="34" charset="0"/>
               <a:ea typeface="Calibri" panose="020F0502020204030204" pitchFamily="34" charset="0"/>
               <a:cs typeface="Calibri" panose="020F0502020204030204" pitchFamily="34" charset="0"/>
@@ -7502,14 +7511,13 @@
           <p:cNvCxnSpPr>
             <a:cxnSpLocks/>
             <a:stCxn id="33" idx="2"/>
-            <a:endCxn id="1028" idx="0"/>
           </p:cNvCxnSpPr>
           <p:nvPr/>
         </p:nvCxnSpPr>
         <p:spPr>
           <a:xfrm flipH="1">
-            <a:off x="3318040" y="2098232"/>
-            <a:ext cx="2749850" cy="943317"/>
+            <a:off x="3259015" y="2098232"/>
+            <a:ext cx="2808875" cy="715026"/>
           </a:xfrm>
           <a:prstGeom prst="straightConnector1">
             <a:avLst/>
@@ -8109,7 +8117,7 @@
           <a:p>
             <a:r>
               <a:rPr lang="en-US"/>
-              <a:t> 50 for testing</a:t>
+              <a:t> 50 dataset</a:t>
             </a:r>
           </a:p>
           <a:p>
@@ -8375,10 +8383,10 @@
             </a:r>
           </a:p>
           <a:p>
-            <a:pPr marL="0" indent="0">
-              <a:buNone/>
-            </a:pPr>
-            <a:endParaRPr lang="en-US"/>
+            <a:r>
+              <a:rPr lang="en-US"/>
+              <a:t> </a:t>
+            </a:r>
           </a:p>
         </p:txBody>
       </p:sp>
@@ -8509,8 +8517,8 @@
         </p:blipFill>
         <p:spPr>
           <a:xfrm>
-            <a:off x="3553491" y="808540"/>
-            <a:ext cx="8539417" cy="5715573"/>
+            <a:off x="3553491" y="887769"/>
+            <a:ext cx="8381487" cy="5609868"/>
           </a:xfrm>
           <a:prstGeom prst="rect">
             <a:avLst/>

--- a/Sy_Unet_CNN.pptx
+++ b/Sy_Unet_CNN.pptx
@@ -206,7 +206,7 @@
           <a:p>
             <a:fld id="{754D538B-3175-4DDF-87B7-42A6A32330D3}" type="datetimeFigureOut">
               <a:rPr lang="en-US" smtClean="0"/>
-              <a:t>11/18/2025</a:t>
+              <a:t>11/19/2025</a:t>
             </a:fld>
             <a:endParaRPr lang="en-US"/>
           </a:p>
@@ -1938,7 +1938,7 @@
           <a:p>
             <a:fld id="{4A7FA793-001C-4C52-91C3-2CAB0B3E506D}" type="datetime1">
               <a:rPr lang="en-US" smtClean="0"/>
-              <a:t>11/18/2025</a:t>
+              <a:t>11/19/2025</a:t>
             </a:fld>
             <a:endParaRPr lang="en-US"/>
           </a:p>
@@ -2739,7 +2739,7 @@
           </a:ln>
           <a:extLst>
             <a:ext uri="{C572A759-6A51-4108-AA02-DFA0A04FC94B}">
-              <ma14:wrappingTextBoxFlag xmlns:ma14="http://schemas.microsoft.com/office/mac/drawingml/2011/main" xmlns="" val="1"/>
+              <ma14:wrappingTextBoxFlag xmlns="" xmlns:ma14="http://schemas.microsoft.com/office/mac/drawingml/2011/main" val="1"/>
             </a:ext>
           </a:extLst>
         </p:spPr>
@@ -3123,7 +3123,7 @@
           </a:ln>
           <a:extLst>
             <a:ext uri="{C572A759-6A51-4108-AA02-DFA0A04FC94B}">
-              <ma14:wrappingTextBoxFlag xmlns:ma14="http://schemas.microsoft.com/office/mac/drawingml/2011/main" xmlns="" val="1"/>
+              <ma14:wrappingTextBoxFlag xmlns="" xmlns:ma14="http://schemas.microsoft.com/office/mac/drawingml/2011/main" val="1"/>
             </a:ext>
           </a:extLst>
         </p:spPr>
@@ -3511,7 +3511,7 @@
           </a:ln>
           <a:extLst>
             <a:ext uri="{C572A759-6A51-4108-AA02-DFA0A04FC94B}">
-              <ma14:wrappingTextBoxFlag xmlns:ma14="http://schemas.microsoft.com/office/mac/drawingml/2011/main" xmlns="" val="1"/>
+              <ma14:wrappingTextBoxFlag xmlns="" xmlns:ma14="http://schemas.microsoft.com/office/mac/drawingml/2011/main" val="1"/>
             </a:ext>
           </a:extLst>
         </p:spPr>
@@ -3911,7 +3911,58 @@
             </a:pPr>
             <a:r>
               <a:rPr lang="en-US"/>
-              <a:t> Dataset</a:t>
+              <a:t> Dataset: Increase number of dataset and 3D models</a:t>
+            </a:r>
+          </a:p>
+          <a:p>
+            <a:pPr>
+              <a:lnSpc>
+                <a:spcPct val="100000"/>
+              </a:lnSpc>
+            </a:pPr>
+            <a:r>
+              <a:rPr lang="en-US"/>
+              <a:t> Data augmentation: noise, rotation</a:t>
+            </a:r>
+          </a:p>
+          <a:p>
+            <a:pPr>
+              <a:lnSpc>
+                <a:spcPct val="100000"/>
+              </a:lnSpc>
+            </a:pPr>
+            <a:r>
+              <a:rPr lang="en-US"/>
+              <a:t> Different models: Diffusions</a:t>
+            </a:r>
+          </a:p>
+          <a:p>
+            <a:pPr>
+              <a:lnSpc>
+                <a:spcPct val="100000"/>
+              </a:lnSpc>
+            </a:pPr>
+            <a:r>
+              <a:rPr lang="en-US"/>
+              <a:t> My codes: </a:t>
+            </a:r>
+            <a:r>
+              <a:rPr lang="en-US">
+                <a:hlinkClick r:id="rId3"/>
+              </a:rPr>
+              <a:t>https://github.com/sy-nguyen-van/Deep_Learning_Sy</a:t>
+            </a:r>
+            <a:endParaRPr lang="en-US"/>
+          </a:p>
+          <a:p>
+            <a:pPr>
+              <a:lnSpc>
+                <a:spcPct val="100000"/>
+              </a:lnSpc>
+            </a:pPr>
+            <a:r>
+              <a:rPr lang="en-US"/>
+              <a:t> My thought:</a:t>
             </a:r>
           </a:p>
           <a:p>
@@ -3921,8 +3972,8 @@
               </a:lnSpc>
             </a:pPr>
             <a:r>
-              <a:rPr lang="en-US" sz="2400"/>
-              <a:t>Increase number of dataset</a:t>
+              <a:rPr lang="en-US"/>
+              <a:t>DL cannot replace topology optimization (TOP)</a:t>
             </a:r>
           </a:p>
           <a:p>
@@ -3932,30 +3983,8 @@
               </a:lnSpc>
             </a:pPr>
             <a:r>
-              <a:rPr lang="en-US" sz="2400"/>
-              <a:t>3D models</a:t>
-            </a:r>
-          </a:p>
-          <a:p>
-            <a:pPr>
-              <a:lnSpc>
-                <a:spcPct val="100000"/>
-              </a:lnSpc>
-            </a:pPr>
-            <a:r>
               <a:rPr lang="en-US"/>
-              <a:t> Data augmentation: noise, rotation</a:t>
-            </a:r>
-          </a:p>
-          <a:p>
-            <a:pPr>
-              <a:lnSpc>
-                <a:spcPct val="100000"/>
-              </a:lnSpc>
-            </a:pPr>
-            <a:r>
-              <a:rPr lang="en-US"/>
-              <a:t> Different models:</a:t>
+              <a:t>Because it still requires dataset obtained from TOP</a:t>
             </a:r>
           </a:p>
           <a:p>
@@ -3965,46 +3994,9 @@
               </a:lnSpc>
             </a:pPr>
             <a:r>
-              <a:rPr lang="en-US" sz="2400"/>
-              <a:t>Diffusions</a:t>
-            </a:r>
-          </a:p>
-          <a:p>
-            <a:pPr lvl="1">
-              <a:lnSpc>
-                <a:spcPct val="100000"/>
-              </a:lnSpc>
-            </a:pPr>
-            <a:r>
-              <a:rPr lang="en-US" sz="2400"/>
-              <a:t>Transformers</a:t>
-            </a:r>
-          </a:p>
-          <a:p>
-            <a:pPr lvl="1">
-              <a:lnSpc>
-                <a:spcPct val="100000"/>
-              </a:lnSpc>
-            </a:pPr>
-            <a:endParaRPr lang="en-US" sz="2400"/>
-          </a:p>
-          <a:p>
-            <a:pPr>
-              <a:lnSpc>
-                <a:spcPct val="100000"/>
-              </a:lnSpc>
-            </a:pPr>
-            <a:r>
-              <a:rPr lang="en-US" sz="2800"/>
-              <a:t> My codes: </a:t>
-            </a:r>
-            <a:r>
-              <a:rPr lang="en-US" sz="2800">
-                <a:hlinkClick r:id="rId3"/>
-              </a:rPr>
-              <a:t>https://github.com/sy-nguyen-van/Deep_Learning_Sy</a:t>
-            </a:r>
-            <a:endParaRPr lang="en-US" sz="2800"/>
+              <a:rPr lang="en-US"/>
+              <a:t>May be in the future, when we have enough data, DL will exceed TOP</a:t>
+            </a:r>
           </a:p>
         </p:txBody>
       </p:sp>

--- a/Sy_Unet_CNN.pptx
+++ b/Sy_Unet_CNN.pptx
@@ -5,7 +5,7 @@
     <p:sldMasterId id="2147483648" r:id="rId1"/>
   </p:sldMasterIdLst>
   <p:notesMasterIdLst>
-    <p:notesMasterId r:id="rId12"/>
+    <p:notesMasterId r:id="rId13"/>
   </p:notesMasterIdLst>
   <p:sldIdLst>
     <p:sldId id="336" r:id="rId2"/>
@@ -14,10 +14,11 @@
     <p:sldId id="323" r:id="rId5"/>
     <p:sldId id="324" r:id="rId6"/>
     <p:sldId id="337" r:id="rId7"/>
-    <p:sldId id="338" r:id="rId8"/>
-    <p:sldId id="339" r:id="rId9"/>
-    <p:sldId id="341" r:id="rId10"/>
-    <p:sldId id="340" r:id="rId11"/>
+    <p:sldId id="342" r:id="rId8"/>
+    <p:sldId id="338" r:id="rId9"/>
+    <p:sldId id="339" r:id="rId10"/>
+    <p:sldId id="341" r:id="rId11"/>
+    <p:sldId id="340" r:id="rId12"/>
   </p:sldIdLst>
   <p:sldSz cx="12192000" cy="6858000"/>
   <p:notesSz cx="6858000" cy="9144000"/>
@@ -605,6 +606,128 @@
         <p:cNvPr id="1" name="">
           <a:extLst>
             <a:ext uri="{FF2B5EF4-FFF2-40B4-BE49-F238E27FC236}">
+              <a16:creationId xmlns:a16="http://schemas.microsoft.com/office/drawing/2014/main" id="{D7783980-20BB-9411-9013-6D8DF1EACF32}"/>
+            </a:ext>
+          </a:extLst>
+        </p:cNvPr>
+        <p:cNvGrpSpPr/>
+        <p:nvPr/>
+      </p:nvGrpSpPr>
+      <p:grpSpPr>
+        <a:xfrm>
+          <a:off x="0" y="0"/>
+          <a:ext cx="0" cy="0"/>
+          <a:chOff x="0" y="0"/>
+          <a:chExt cx="0" cy="0"/>
+        </a:xfrm>
+      </p:grpSpPr>
+      <p:sp>
+        <p:nvSpPr>
+          <p:cNvPr id="2" name="Slide Image Placeholder 1">
+            <a:extLst>
+              <a:ext uri="{FF2B5EF4-FFF2-40B4-BE49-F238E27FC236}">
+                <a16:creationId xmlns:a16="http://schemas.microsoft.com/office/drawing/2014/main" id="{E170BA7B-EE78-8F7E-153A-85C9375B4943}"/>
+              </a:ext>
+            </a:extLst>
+          </p:cNvPr>
+          <p:cNvSpPr>
+            <a:spLocks noGrp="1" noRot="1" noChangeAspect="1"/>
+          </p:cNvSpPr>
+          <p:nvPr>
+            <p:ph type="sldImg"/>
+          </p:nvPr>
+        </p:nvSpPr>
+        <p:spPr>
+          <a:xfrm>
+            <a:off x="685800" y="1143000"/>
+            <a:ext cx="5486400" cy="3086100"/>
+          </a:xfrm>
+        </p:spPr>
+      </p:sp>
+      <p:sp>
+        <p:nvSpPr>
+          <p:cNvPr id="3" name="Notes Placeholder 2">
+            <a:extLst>
+              <a:ext uri="{FF2B5EF4-FFF2-40B4-BE49-F238E27FC236}">
+                <a16:creationId xmlns:a16="http://schemas.microsoft.com/office/drawing/2014/main" id="{95B1BECD-824D-0693-8F93-6A2F240CF722}"/>
+              </a:ext>
+            </a:extLst>
+          </p:cNvPr>
+          <p:cNvSpPr>
+            <a:spLocks noGrp="1"/>
+          </p:cNvSpPr>
+          <p:nvPr>
+            <p:ph type="body" idx="1"/>
+          </p:nvPr>
+        </p:nvSpPr>
+        <p:spPr/>
+        <p:txBody>
+          <a:bodyPr/>
+          <a:lstStyle/>
+          <a:p>
+            <a:r>
+              <a:rPr lang="en-US"/>
+              <a:t>COLOR SCALE</a:t>
+            </a:r>
+          </a:p>
+          <a:p>
+            <a:r>
+              <a:rPr lang="en-US"/>
+              <a:t>R2 </a:t>
+            </a:r>
+          </a:p>
+        </p:txBody>
+      </p:sp>
+      <p:sp>
+        <p:nvSpPr>
+          <p:cNvPr id="4" name="Slide Number Placeholder 3">
+            <a:extLst>
+              <a:ext uri="{FF2B5EF4-FFF2-40B4-BE49-F238E27FC236}">
+                <a16:creationId xmlns:a16="http://schemas.microsoft.com/office/drawing/2014/main" id="{6A2D4E9A-DDFD-52E1-DE25-80EB687C1184}"/>
+              </a:ext>
+            </a:extLst>
+          </p:cNvPr>
+          <p:cNvSpPr>
+            <a:spLocks noGrp="1"/>
+          </p:cNvSpPr>
+          <p:nvPr>
+            <p:ph type="sldNum" sz="quarter" idx="5"/>
+          </p:nvPr>
+        </p:nvSpPr>
+        <p:spPr/>
+        <p:txBody>
+          <a:bodyPr/>
+          <a:lstStyle/>
+          <a:p>
+            <a:fld id="{BBDBDD7B-CB95-4F58-8D9A-A8040E25F7E6}" type="slidenum">
+              <a:rPr lang="en-US" smtClean="0"/>
+              <a:t>10</a:t>
+            </a:fld>
+            <a:endParaRPr lang="en-US"/>
+          </a:p>
+        </p:txBody>
+      </p:sp>
+    </p:spTree>
+    <p:extLst>
+      <p:ext uri="{BB962C8B-B14F-4D97-AF65-F5344CB8AC3E}">
+        <p14:creationId xmlns:p14="http://schemas.microsoft.com/office/powerpoint/2010/main" val="909948558"/>
+      </p:ext>
+    </p:extLst>
+  </p:cSld>
+  <p:clrMapOvr>
+    <a:masterClrMapping/>
+  </p:clrMapOvr>
+</p:notes>
+</file>
+
+<file path=ppt/notesSlides/notesSlide11.xml><?xml version="1.0" encoding="utf-8"?>
+<p:notes xmlns:a="http://schemas.openxmlformats.org/drawingml/2006/main" xmlns:r="http://schemas.openxmlformats.org/officeDocument/2006/relationships" xmlns:p="http://schemas.openxmlformats.org/presentationml/2006/main">
+  <p:cSld>
+    <p:spTree>
+      <p:nvGrpSpPr>
+        <p:cNvPr id="1" name="">
+          <a:extLst>
+            <a:ext uri="{FF2B5EF4-FFF2-40B4-BE49-F238E27FC236}">
               <a16:creationId xmlns:a16="http://schemas.microsoft.com/office/drawing/2014/main" id="{0D6CDE12-6F20-0B0A-DE4B-50FA7DE43D3F}"/>
             </a:ext>
           </a:extLst>
@@ -691,7 +814,7 @@
           <a:p>
             <a:fld id="{BBDBDD7B-CB95-4F58-8D9A-A8040E25F7E6}" type="slidenum">
               <a:rPr lang="en-US" smtClean="0"/>
-              <a:t>10</a:t>
+              <a:t>11</a:t>
             </a:fld>
             <a:endParaRPr lang="en-US"/>
           </a:p>
@@ -1434,6 +1557,119 @@
         <p:cNvPr id="1" name="">
           <a:extLst>
             <a:ext uri="{FF2B5EF4-FFF2-40B4-BE49-F238E27FC236}">
+              <a16:creationId xmlns:a16="http://schemas.microsoft.com/office/drawing/2014/main" id="{0E6A66F9-3BE4-FECB-03BB-D70065767E6A}"/>
+            </a:ext>
+          </a:extLst>
+        </p:cNvPr>
+        <p:cNvGrpSpPr/>
+        <p:nvPr/>
+      </p:nvGrpSpPr>
+      <p:grpSpPr>
+        <a:xfrm>
+          <a:off x="0" y="0"/>
+          <a:ext cx="0" cy="0"/>
+          <a:chOff x="0" y="0"/>
+          <a:chExt cx="0" cy="0"/>
+        </a:xfrm>
+      </p:grpSpPr>
+      <p:sp>
+        <p:nvSpPr>
+          <p:cNvPr id="2" name="Slide Image Placeholder 1">
+            <a:extLst>
+              <a:ext uri="{FF2B5EF4-FFF2-40B4-BE49-F238E27FC236}">
+                <a16:creationId xmlns:a16="http://schemas.microsoft.com/office/drawing/2014/main" id="{5BAF2404-4652-FA5F-F955-6CC5F01A78F0}"/>
+              </a:ext>
+            </a:extLst>
+          </p:cNvPr>
+          <p:cNvSpPr>
+            <a:spLocks noGrp="1" noRot="1" noChangeAspect="1"/>
+          </p:cNvSpPr>
+          <p:nvPr>
+            <p:ph type="sldImg"/>
+          </p:nvPr>
+        </p:nvSpPr>
+        <p:spPr>
+          <a:xfrm>
+            <a:off x="685800" y="1143000"/>
+            <a:ext cx="5486400" cy="3086100"/>
+          </a:xfrm>
+        </p:spPr>
+      </p:sp>
+      <p:sp>
+        <p:nvSpPr>
+          <p:cNvPr id="3" name="Notes Placeholder 2">
+            <a:extLst>
+              <a:ext uri="{FF2B5EF4-FFF2-40B4-BE49-F238E27FC236}">
+                <a16:creationId xmlns:a16="http://schemas.microsoft.com/office/drawing/2014/main" id="{836F2A5F-43DE-19BF-084B-26594F848D49}"/>
+              </a:ext>
+            </a:extLst>
+          </p:cNvPr>
+          <p:cNvSpPr>
+            <a:spLocks noGrp="1"/>
+          </p:cNvSpPr>
+          <p:nvPr>
+            <p:ph type="body" idx="1"/>
+          </p:nvPr>
+        </p:nvSpPr>
+        <p:spPr/>
+        <p:txBody>
+          <a:bodyPr/>
+          <a:lstStyle/>
+          <a:p>
+            <a:endParaRPr lang="en-US"/>
+          </a:p>
+        </p:txBody>
+      </p:sp>
+      <p:sp>
+        <p:nvSpPr>
+          <p:cNvPr id="4" name="Slide Number Placeholder 3">
+            <a:extLst>
+              <a:ext uri="{FF2B5EF4-FFF2-40B4-BE49-F238E27FC236}">
+                <a16:creationId xmlns:a16="http://schemas.microsoft.com/office/drawing/2014/main" id="{604B80F7-E5BE-2B2C-62B1-CAD8730AD89E}"/>
+              </a:ext>
+            </a:extLst>
+          </p:cNvPr>
+          <p:cNvSpPr>
+            <a:spLocks noGrp="1"/>
+          </p:cNvSpPr>
+          <p:nvPr>
+            <p:ph type="sldNum" sz="quarter" idx="5"/>
+          </p:nvPr>
+        </p:nvSpPr>
+        <p:spPr/>
+        <p:txBody>
+          <a:bodyPr/>
+          <a:lstStyle/>
+          <a:p>
+            <a:fld id="{BBDBDD7B-CB95-4F58-8D9A-A8040E25F7E6}" type="slidenum">
+              <a:rPr lang="en-US" smtClean="0"/>
+              <a:t>7</a:t>
+            </a:fld>
+            <a:endParaRPr lang="en-US"/>
+          </a:p>
+        </p:txBody>
+      </p:sp>
+    </p:spTree>
+    <p:extLst>
+      <p:ext uri="{BB962C8B-B14F-4D97-AF65-F5344CB8AC3E}">
+        <p14:creationId xmlns:p14="http://schemas.microsoft.com/office/powerpoint/2010/main" val="2367551641"/>
+      </p:ext>
+    </p:extLst>
+  </p:cSld>
+  <p:clrMapOvr>
+    <a:masterClrMapping/>
+  </p:clrMapOvr>
+</p:notes>
+</file>
+
+<file path=ppt/notesSlides/notesSlide8.xml><?xml version="1.0" encoding="utf-8"?>
+<p:notes xmlns:a="http://schemas.openxmlformats.org/drawingml/2006/main" xmlns:r="http://schemas.openxmlformats.org/officeDocument/2006/relationships" xmlns:p="http://schemas.openxmlformats.org/presentationml/2006/main">
+  <p:cSld>
+    <p:spTree>
+      <p:nvGrpSpPr>
+        <p:cNvPr id="1" name="">
+          <a:extLst>
+            <a:ext uri="{FF2B5EF4-FFF2-40B4-BE49-F238E27FC236}">
               <a16:creationId xmlns:a16="http://schemas.microsoft.com/office/drawing/2014/main" id="{051C5A9B-BD0C-4B41-68E9-CE610CB3002C}"/>
             </a:ext>
           </a:extLst>
@@ -1520,7 +1756,7 @@
           <a:p>
             <a:fld id="{BBDBDD7B-CB95-4F58-8D9A-A8040E25F7E6}" type="slidenum">
               <a:rPr lang="en-US" smtClean="0"/>
-              <a:t>7</a:t>
+              <a:t>8</a:t>
             </a:fld>
             <a:endParaRPr lang="en-US"/>
           </a:p>
@@ -1539,7 +1775,7 @@
 </p:notes>
 </file>
 
-<file path=ppt/notesSlides/notesSlide8.xml><?xml version="1.0" encoding="utf-8"?>
+<file path=ppt/notesSlides/notesSlide9.xml><?xml version="1.0" encoding="utf-8"?>
 <p:notes xmlns:a="http://schemas.openxmlformats.org/drawingml/2006/main" xmlns:r="http://schemas.openxmlformats.org/officeDocument/2006/relationships" xmlns:p="http://schemas.openxmlformats.org/presentationml/2006/main">
   <p:cSld>
     <p:spTree>
@@ -1642,7 +1878,7 @@
           <a:p>
             <a:fld id="{BBDBDD7B-CB95-4F58-8D9A-A8040E25F7E6}" type="slidenum">
               <a:rPr lang="en-US" smtClean="0"/>
-              <a:t>8</a:t>
+              <a:t>9</a:t>
             </a:fld>
             <a:endParaRPr lang="en-US"/>
           </a:p>
@@ -1652,128 +1888,6 @@
     <p:extLst>
       <p:ext uri="{BB962C8B-B14F-4D97-AF65-F5344CB8AC3E}">
         <p14:creationId xmlns:p14="http://schemas.microsoft.com/office/powerpoint/2010/main" val="1916544961"/>
-      </p:ext>
-    </p:extLst>
-  </p:cSld>
-  <p:clrMapOvr>
-    <a:masterClrMapping/>
-  </p:clrMapOvr>
-</p:notes>
-</file>
-
-<file path=ppt/notesSlides/notesSlide9.xml><?xml version="1.0" encoding="utf-8"?>
-<p:notes xmlns:a="http://schemas.openxmlformats.org/drawingml/2006/main" xmlns:r="http://schemas.openxmlformats.org/officeDocument/2006/relationships" xmlns:p="http://schemas.openxmlformats.org/presentationml/2006/main">
-  <p:cSld>
-    <p:spTree>
-      <p:nvGrpSpPr>
-        <p:cNvPr id="1" name="">
-          <a:extLst>
-            <a:ext uri="{FF2B5EF4-FFF2-40B4-BE49-F238E27FC236}">
-              <a16:creationId xmlns:a16="http://schemas.microsoft.com/office/drawing/2014/main" id="{D7783980-20BB-9411-9013-6D8DF1EACF32}"/>
-            </a:ext>
-          </a:extLst>
-        </p:cNvPr>
-        <p:cNvGrpSpPr/>
-        <p:nvPr/>
-      </p:nvGrpSpPr>
-      <p:grpSpPr>
-        <a:xfrm>
-          <a:off x="0" y="0"/>
-          <a:ext cx="0" cy="0"/>
-          <a:chOff x="0" y="0"/>
-          <a:chExt cx="0" cy="0"/>
-        </a:xfrm>
-      </p:grpSpPr>
-      <p:sp>
-        <p:nvSpPr>
-          <p:cNvPr id="2" name="Slide Image Placeholder 1">
-            <a:extLst>
-              <a:ext uri="{FF2B5EF4-FFF2-40B4-BE49-F238E27FC236}">
-                <a16:creationId xmlns:a16="http://schemas.microsoft.com/office/drawing/2014/main" id="{E170BA7B-EE78-8F7E-153A-85C9375B4943}"/>
-              </a:ext>
-            </a:extLst>
-          </p:cNvPr>
-          <p:cNvSpPr>
-            <a:spLocks noGrp="1" noRot="1" noChangeAspect="1"/>
-          </p:cNvSpPr>
-          <p:nvPr>
-            <p:ph type="sldImg"/>
-          </p:nvPr>
-        </p:nvSpPr>
-        <p:spPr>
-          <a:xfrm>
-            <a:off x="685800" y="1143000"/>
-            <a:ext cx="5486400" cy="3086100"/>
-          </a:xfrm>
-        </p:spPr>
-      </p:sp>
-      <p:sp>
-        <p:nvSpPr>
-          <p:cNvPr id="3" name="Notes Placeholder 2">
-            <a:extLst>
-              <a:ext uri="{FF2B5EF4-FFF2-40B4-BE49-F238E27FC236}">
-                <a16:creationId xmlns:a16="http://schemas.microsoft.com/office/drawing/2014/main" id="{95B1BECD-824D-0693-8F93-6A2F240CF722}"/>
-              </a:ext>
-            </a:extLst>
-          </p:cNvPr>
-          <p:cNvSpPr>
-            <a:spLocks noGrp="1"/>
-          </p:cNvSpPr>
-          <p:nvPr>
-            <p:ph type="body" idx="1"/>
-          </p:nvPr>
-        </p:nvSpPr>
-        <p:spPr/>
-        <p:txBody>
-          <a:bodyPr/>
-          <a:lstStyle/>
-          <a:p>
-            <a:r>
-              <a:rPr lang="en-US"/>
-              <a:t>COLOR SCALE</a:t>
-            </a:r>
-          </a:p>
-          <a:p>
-            <a:r>
-              <a:rPr lang="en-US"/>
-              <a:t>R2 </a:t>
-            </a:r>
-          </a:p>
-        </p:txBody>
-      </p:sp>
-      <p:sp>
-        <p:nvSpPr>
-          <p:cNvPr id="4" name="Slide Number Placeholder 3">
-            <a:extLst>
-              <a:ext uri="{FF2B5EF4-FFF2-40B4-BE49-F238E27FC236}">
-                <a16:creationId xmlns:a16="http://schemas.microsoft.com/office/drawing/2014/main" id="{6A2D4E9A-DDFD-52E1-DE25-80EB687C1184}"/>
-              </a:ext>
-            </a:extLst>
-          </p:cNvPr>
-          <p:cNvSpPr>
-            <a:spLocks noGrp="1"/>
-          </p:cNvSpPr>
-          <p:nvPr>
-            <p:ph type="sldNum" sz="quarter" idx="5"/>
-          </p:nvPr>
-        </p:nvSpPr>
-        <p:spPr/>
-        <p:txBody>
-          <a:bodyPr/>
-          <a:lstStyle/>
-          <a:p>
-            <a:fld id="{BBDBDD7B-CB95-4F58-8D9A-A8040E25F7E6}" type="slidenum">
-              <a:rPr lang="en-US" smtClean="0"/>
-              <a:t>9</a:t>
-            </a:fld>
-            <a:endParaRPr lang="en-US"/>
-          </a:p>
-        </p:txBody>
-      </p:sp>
-    </p:spTree>
-    <p:extLst>
-      <p:ext uri="{BB962C8B-B14F-4D97-AF65-F5344CB8AC3E}">
-        <p14:creationId xmlns:p14="http://schemas.microsoft.com/office/powerpoint/2010/main" val="909948558"/>
       </p:ext>
     </p:extLst>
   </p:cSld>
@@ -2739,7 +2853,7 @@
           </a:ln>
           <a:extLst>
             <a:ext uri="{C572A759-6A51-4108-AA02-DFA0A04FC94B}">
-              <ma14:wrappingTextBoxFlag xmlns="" xmlns:ma14="http://schemas.microsoft.com/office/mac/drawingml/2011/main" val="1"/>
+              <ma14:wrappingTextBoxFlag xmlns:ma14="http://schemas.microsoft.com/office/mac/drawingml/2011/main" xmlns="" val="1"/>
             </a:ext>
           </a:extLst>
         </p:spPr>
@@ -3123,7 +3237,7 @@
           </a:ln>
           <a:extLst>
             <a:ext uri="{C572A759-6A51-4108-AA02-DFA0A04FC94B}">
-              <ma14:wrappingTextBoxFlag xmlns="" xmlns:ma14="http://schemas.microsoft.com/office/mac/drawingml/2011/main" val="1"/>
+              <ma14:wrappingTextBoxFlag xmlns:ma14="http://schemas.microsoft.com/office/mac/drawingml/2011/main" xmlns="" val="1"/>
             </a:ext>
           </a:extLst>
         </p:spPr>
@@ -3511,7 +3625,7 @@
           </a:ln>
           <a:extLst>
             <a:ext uri="{C572A759-6A51-4108-AA02-DFA0A04FC94B}">
-              <ma14:wrappingTextBoxFlag xmlns="" xmlns:ma14="http://schemas.microsoft.com/office/mac/drawingml/2011/main" val="1"/>
+              <ma14:wrappingTextBoxFlag xmlns:ma14="http://schemas.microsoft.com/office/mac/drawingml/2011/main" xmlns="" val="1"/>
             </a:ext>
           </a:extLst>
         </p:spPr>
@@ -3816,6 +3930,268 @@
         <p:cNvPr id="1" name="">
           <a:extLst>
             <a:ext uri="{FF2B5EF4-FFF2-40B4-BE49-F238E27FC236}">
+              <a16:creationId xmlns:a16="http://schemas.microsoft.com/office/drawing/2014/main" id="{1197177B-D222-A46A-D026-6F5B932E957E}"/>
+            </a:ext>
+          </a:extLst>
+        </p:cNvPr>
+        <p:cNvGrpSpPr/>
+        <p:nvPr/>
+      </p:nvGrpSpPr>
+      <p:grpSpPr>
+        <a:xfrm>
+          <a:off x="0" y="0"/>
+          <a:ext cx="0" cy="0"/>
+          <a:chOff x="0" y="0"/>
+          <a:chExt cx="0" cy="0"/>
+        </a:xfrm>
+      </p:grpSpPr>
+      <p:sp>
+        <p:nvSpPr>
+          <p:cNvPr id="2" name="Title 1">
+            <a:extLst>
+              <a:ext uri="{FF2B5EF4-FFF2-40B4-BE49-F238E27FC236}">
+                <a16:creationId xmlns:a16="http://schemas.microsoft.com/office/drawing/2014/main" id="{54DA4029-C59F-A460-7EE5-4F6FC2582141}"/>
+              </a:ext>
+            </a:extLst>
+          </p:cNvPr>
+          <p:cNvSpPr>
+            <a:spLocks noGrp="1"/>
+          </p:cNvSpPr>
+          <p:nvPr>
+            <p:ph type="title"/>
+          </p:nvPr>
+        </p:nvSpPr>
+        <p:spPr/>
+        <p:txBody>
+          <a:bodyPr>
+            <a:normAutofit/>
+          </a:bodyPr>
+          <a:lstStyle/>
+          <a:p>
+            <a:r>
+              <a:rPr lang="en-US" sz="3200" b="1">
+                <a:solidFill>
+                  <a:schemeClr val="bg1"/>
+                </a:solidFill>
+              </a:rPr>
+              <a:t>Challenges in Topology Optimization</a:t>
+            </a:r>
+          </a:p>
+        </p:txBody>
+      </p:sp>
+      <p:sp>
+        <p:nvSpPr>
+          <p:cNvPr id="11" name="Content Placeholder 10">
+            <a:extLst>
+              <a:ext uri="{FF2B5EF4-FFF2-40B4-BE49-F238E27FC236}">
+                <a16:creationId xmlns:a16="http://schemas.microsoft.com/office/drawing/2014/main" id="{75138363-C2C4-57DE-39CC-6F1B6BA36872}"/>
+              </a:ext>
+            </a:extLst>
+          </p:cNvPr>
+          <p:cNvSpPr>
+            <a:spLocks noGrp="1"/>
+          </p:cNvSpPr>
+          <p:nvPr>
+            <p:ph idx="1"/>
+          </p:nvPr>
+        </p:nvSpPr>
+        <p:spPr>
+          <a:xfrm>
+            <a:off x="393382" y="1012055"/>
+            <a:ext cx="3160109" cy="5308541"/>
+          </a:xfrm>
+        </p:spPr>
+        <p:txBody>
+          <a:bodyPr/>
+          <a:lstStyle/>
+          <a:p>
+            <a:r>
+              <a:rPr lang="en-US"/>
+              <a:t> Times:</a:t>
+            </a:r>
+          </a:p>
+          <a:p>
+            <a:pPr lvl="1"/>
+            <a:r>
+              <a:rPr lang="en-US"/>
+              <a:t> TO = 137 s</a:t>
+            </a:r>
+          </a:p>
+          <a:p>
+            <a:pPr lvl="1"/>
+            <a:r>
+              <a:rPr lang="en-US"/>
+              <a:t> CNN = 0.005 s</a:t>
+            </a:r>
+          </a:p>
+          <a:p>
+            <a:pPr lvl="1"/>
+            <a:r>
+              <a:rPr lang="en-US"/>
+              <a:t> Unet = 0.001 s</a:t>
+            </a:r>
+          </a:p>
+          <a:p>
+            <a:endParaRPr lang="en-US"/>
+          </a:p>
+        </p:txBody>
+      </p:sp>
+      <p:sp>
+        <p:nvSpPr>
+          <p:cNvPr id="4" name="Slide Number Placeholder 3">
+            <a:extLst>
+              <a:ext uri="{FF2B5EF4-FFF2-40B4-BE49-F238E27FC236}">
+                <a16:creationId xmlns:a16="http://schemas.microsoft.com/office/drawing/2014/main" id="{1A7589B0-FA2D-E0BD-A173-603856EC6848}"/>
+              </a:ext>
+            </a:extLst>
+          </p:cNvPr>
+          <p:cNvSpPr>
+            <a:spLocks noGrp="1"/>
+          </p:cNvSpPr>
+          <p:nvPr>
+            <p:ph type="sldNum" sz="quarter" idx="12"/>
+          </p:nvPr>
+        </p:nvSpPr>
+        <p:spPr/>
+        <p:txBody>
+          <a:bodyPr/>
+          <a:lstStyle/>
+          <a:p>
+            <a:fld id="{CC7697F5-3DCA-0A4F-B9EA-FEC2794BD1A6}" type="slidenum">
+              <a:rPr lang="en-US" smtClean="0"/>
+              <a:t>10</a:t>
+            </a:fld>
+            <a:endParaRPr lang="en-US"/>
+          </a:p>
+        </p:txBody>
+      </p:sp>
+      <p:sp>
+        <p:nvSpPr>
+          <p:cNvPr id="8" name="Google Shape;148;p6">
+            <a:extLst>
+              <a:ext uri="{FF2B5EF4-FFF2-40B4-BE49-F238E27FC236}">
+                <a16:creationId xmlns:a16="http://schemas.microsoft.com/office/drawing/2014/main" id="{273A8EC4-AAAA-257D-FA44-978574A84901}"/>
+              </a:ext>
+            </a:extLst>
+          </p:cNvPr>
+          <p:cNvSpPr txBox="1">
+            <a:spLocks/>
+          </p:cNvSpPr>
+          <p:nvPr/>
+        </p:nvSpPr>
+        <p:spPr>
+          <a:xfrm>
+            <a:off x="550416" y="60172"/>
+            <a:ext cx="11091909" cy="827597"/>
+          </a:xfrm>
+          <a:prstGeom prst="rect">
+            <a:avLst/>
+          </a:prstGeom>
+          <a:noFill/>
+          <a:ln>
+            <a:noFill/>
+          </a:ln>
+        </p:spPr>
+        <p:txBody>
+          <a:bodyPr spcFirstLastPara="1" vert="horz" wrap="square" lIns="91425" tIns="45700" rIns="91425" bIns="45700" rtlCol="0" anchor="ctr" anchorCtr="0">
+            <a:normAutofit/>
+          </a:bodyPr>
+          <a:lstStyle>
+            <a:lvl1pPr algn="ctr" defTabSz="914423" rtl="0" eaLnBrk="1" latinLnBrk="0" hangingPunct="1">
+              <a:lnSpc>
+                <a:spcPct val="90000"/>
+              </a:lnSpc>
+              <a:spcBef>
+                <a:spcPct val="0"/>
+              </a:spcBef>
+              <a:buNone/>
+              <a:defRPr sz="4400" kern="1200">
+                <a:solidFill>
+                  <a:srgbClr val="C00000"/>
+                </a:solidFill>
+                <a:latin typeface="Calibri" panose="020F0502020204030204" pitchFamily="34" charset="0"/>
+                <a:ea typeface="Calibri" panose="020F0502020204030204" pitchFamily="34" charset="0"/>
+                <a:cs typeface="Calibri" panose="020F0502020204030204" pitchFamily="34" charset="0"/>
+              </a:defRPr>
+            </a:lvl1pPr>
+          </a:lstStyle>
+          <a:p>
+            <a:pPr>
+              <a:spcBef>
+                <a:spcPts val="0"/>
+              </a:spcBef>
+              <a:buClr>
+                <a:srgbClr val="FFFFFF"/>
+              </a:buClr>
+              <a:buSzPct val="100000"/>
+              <a:buFont typeface="Arial"/>
+              <a:buNone/>
+            </a:pPr>
+            <a:r>
+              <a:rPr lang="en-US"/>
+              <a:t>Prediction</a:t>
+            </a:r>
+            <a:endParaRPr lang="en-US" dirty="0"/>
+          </a:p>
+        </p:txBody>
+      </p:sp>
+      <p:pic>
+        <p:nvPicPr>
+          <p:cNvPr id="15" name="Picture 14" descr="A screenshot of a graph&#10;&#10;Description automatically generated">
+            <a:extLst>
+              <a:ext uri="{FF2B5EF4-FFF2-40B4-BE49-F238E27FC236}">
+                <a16:creationId xmlns:a16="http://schemas.microsoft.com/office/drawing/2014/main" id="{D6E573ED-DBF5-A102-D961-1260630756B8}"/>
+              </a:ext>
+            </a:extLst>
+          </p:cNvPr>
+          <p:cNvPicPr>
+            <a:picLocks noChangeAspect="1"/>
+          </p:cNvPicPr>
+          <p:nvPr/>
+        </p:nvPicPr>
+        <p:blipFill>
+          <a:blip r:embed="rId3">
+            <a:extLst>
+              <a:ext uri="{28A0092B-C50C-407E-A947-70E740481C1C}">
+                <a14:useLocalDpi xmlns:a14="http://schemas.microsoft.com/office/drawing/2010/main" val="0"/>
+              </a:ext>
+            </a:extLst>
+          </a:blip>
+          <a:stretch>
+            <a:fillRect/>
+          </a:stretch>
+        </p:blipFill>
+        <p:spPr>
+          <a:xfrm>
+            <a:off x="3553491" y="835015"/>
+            <a:ext cx="8381487" cy="5609868"/>
+          </a:xfrm>
+          <a:prstGeom prst="rect">
+            <a:avLst/>
+          </a:prstGeom>
+        </p:spPr>
+      </p:pic>
+    </p:spTree>
+    <p:extLst>
+      <p:ext uri="{BB962C8B-B14F-4D97-AF65-F5344CB8AC3E}">
+        <p14:creationId xmlns:p14="http://schemas.microsoft.com/office/powerpoint/2010/main" val="2795469034"/>
+      </p:ext>
+    </p:extLst>
+  </p:cSld>
+  <p:clrMapOvr>
+    <a:masterClrMapping/>
+  </p:clrMapOvr>
+</p:sld>
+</file>
+
+<file path=ppt/slides/slide11.xml><?xml version="1.0" encoding="utf-8"?>
+<p:sld xmlns:a="http://schemas.openxmlformats.org/drawingml/2006/main" xmlns:r="http://schemas.openxmlformats.org/officeDocument/2006/relationships" xmlns:p="http://schemas.openxmlformats.org/presentationml/2006/main">
+  <p:cSld>
+    <p:spTree>
+      <p:nvGrpSpPr>
+        <p:cNvPr id="1" name="">
+          <a:extLst>
+            <a:ext uri="{FF2B5EF4-FFF2-40B4-BE49-F238E27FC236}">
               <a16:creationId xmlns:a16="http://schemas.microsoft.com/office/drawing/2014/main" id="{6807F7F9-F498-4E4A-5BD9-3F1E5375B013}"/>
             </a:ext>
           </a:extLst>
@@ -4023,7 +4399,7 @@
           <a:p>
             <a:fld id="{CC7697F5-3DCA-0A4F-B9EA-FEC2794BD1A6}" type="slidenum">
               <a:rPr lang="en-US" smtClean="0"/>
-              <a:t>10</a:t>
+              <a:t>11</a:t>
             </a:fld>
             <a:endParaRPr lang="en-US"/>
           </a:p>
@@ -7275,35 +7651,6 @@
       </p:sp>
       <p:pic>
         <p:nvPicPr>
-          <p:cNvPr id="30" name="Picture 29">
-            <a:extLst>
-              <a:ext uri="{FF2B5EF4-FFF2-40B4-BE49-F238E27FC236}">
-                <a16:creationId xmlns:a16="http://schemas.microsoft.com/office/drawing/2014/main" id="{B230280D-F2E6-5485-A614-9F271D41A66D}"/>
-              </a:ext>
-            </a:extLst>
-          </p:cNvPr>
-          <p:cNvPicPr>
-            <a:picLocks noChangeAspect="1"/>
-          </p:cNvPicPr>
-          <p:nvPr/>
-        </p:nvPicPr>
-        <p:blipFill>
-          <a:blip r:embed="rId5"/>
-          <a:srcRect r="56239"/>
-          <a:stretch/>
-        </p:blipFill>
-        <p:spPr>
-          <a:xfrm>
-            <a:off x="1732896" y="1027333"/>
-            <a:ext cx="2859794" cy="1390844"/>
-          </a:xfrm>
-          <a:prstGeom prst="rect">
-            <a:avLst/>
-          </a:prstGeom>
-        </p:spPr>
-      </p:pic>
-      <p:pic>
-        <p:nvPicPr>
           <p:cNvPr id="31" name="Picture 30">
             <a:extLst>
               <a:ext uri="{FF2B5EF4-FFF2-40B4-BE49-F238E27FC236}">
@@ -7456,7 +7803,6 @@
           </p:cNvPr>
           <p:cNvCxnSpPr>
             <a:cxnSpLocks/>
-            <a:stCxn id="30" idx="3"/>
             <a:endCxn id="33" idx="1"/>
           </p:cNvCxnSpPr>
           <p:nvPr/>
@@ -7710,6 +8056,36 @@
           </a:p>
         </p:txBody>
       </p:sp>
+      <p:pic>
+        <p:nvPicPr>
+          <p:cNvPr id="3" name="Picture 2">
+            <a:extLst>
+              <a:ext uri="{FF2B5EF4-FFF2-40B4-BE49-F238E27FC236}">
+                <a16:creationId xmlns:a16="http://schemas.microsoft.com/office/drawing/2014/main" id="{30787B7D-9C3E-313F-314C-C69FFC3FC2EE}"/>
+              </a:ext>
+            </a:extLst>
+          </p:cNvPr>
+          <p:cNvPicPr>
+            <a:picLocks noChangeAspect="1"/>
+          </p:cNvPicPr>
+          <p:nvPr/>
+        </p:nvPicPr>
+        <p:blipFill>
+          <a:blip r:embed="rId6"/>
+          <a:stretch>
+            <a:fillRect/>
+          </a:stretch>
+        </p:blipFill>
+        <p:spPr>
+          <a:xfrm>
+            <a:off x="1853474" y="1082915"/>
+            <a:ext cx="2739216" cy="1361523"/>
+          </a:xfrm>
+          <a:prstGeom prst="rect">
+            <a:avLst/>
+          </a:prstGeom>
+        </p:spPr>
+      </p:pic>
     </p:spTree>
     <p:extLst>
       <p:ext uri="{BB962C8B-B14F-4D97-AF65-F5344CB8AC3E}">
@@ -7724,6 +8100,493 @@
 </file>
 
 <file path=ppt/slides/slide7.xml><?xml version="1.0" encoding="utf-8"?>
+<p:sld xmlns:a="http://schemas.openxmlformats.org/drawingml/2006/main" xmlns:r="http://schemas.openxmlformats.org/officeDocument/2006/relationships" xmlns:p="http://schemas.openxmlformats.org/presentationml/2006/main">
+  <p:cSld>
+    <p:spTree>
+      <p:nvGrpSpPr>
+        <p:cNvPr id="1" name="">
+          <a:extLst>
+            <a:ext uri="{FF2B5EF4-FFF2-40B4-BE49-F238E27FC236}">
+              <a16:creationId xmlns:a16="http://schemas.microsoft.com/office/drawing/2014/main" id="{AE0AF5FC-76F3-C8CE-FB12-5B427BD5DF25}"/>
+            </a:ext>
+          </a:extLst>
+        </p:cNvPr>
+        <p:cNvGrpSpPr/>
+        <p:nvPr/>
+      </p:nvGrpSpPr>
+      <p:grpSpPr>
+        <a:xfrm>
+          <a:off x="0" y="0"/>
+          <a:ext cx="0" cy="0"/>
+          <a:chOff x="0" y="0"/>
+          <a:chExt cx="0" cy="0"/>
+        </a:xfrm>
+      </p:grpSpPr>
+      <p:sp>
+        <p:nvSpPr>
+          <p:cNvPr id="11" name="Title 10">
+            <a:extLst>
+              <a:ext uri="{FF2B5EF4-FFF2-40B4-BE49-F238E27FC236}">
+                <a16:creationId xmlns:a16="http://schemas.microsoft.com/office/drawing/2014/main" id="{C1028F26-D65E-48F2-143A-7655F58442BB}"/>
+              </a:ext>
+            </a:extLst>
+          </p:cNvPr>
+          <p:cNvSpPr>
+            <a:spLocks noGrp="1"/>
+          </p:cNvSpPr>
+          <p:nvPr>
+            <p:ph type="title"/>
+          </p:nvPr>
+        </p:nvSpPr>
+        <p:spPr/>
+        <p:txBody>
+          <a:bodyPr>
+            <a:normAutofit/>
+          </a:bodyPr>
+          <a:lstStyle/>
+          <a:p>
+            <a:r>
+              <a:rPr lang="en-US"/>
+              <a:t>Dataset</a:t>
+            </a:r>
+          </a:p>
+        </p:txBody>
+      </p:sp>
+      <p:sp>
+        <p:nvSpPr>
+          <p:cNvPr id="16" name="Content Placeholder 15">
+            <a:extLst>
+              <a:ext uri="{FF2B5EF4-FFF2-40B4-BE49-F238E27FC236}">
+                <a16:creationId xmlns:a16="http://schemas.microsoft.com/office/drawing/2014/main" id="{BD060C4E-7BF2-8EA5-5754-FEBDB7B47A2C}"/>
+              </a:ext>
+            </a:extLst>
+          </p:cNvPr>
+          <p:cNvSpPr>
+            <a:spLocks noGrp="1"/>
+          </p:cNvSpPr>
+          <p:nvPr>
+            <p:ph idx="1"/>
+          </p:nvPr>
+        </p:nvSpPr>
+        <p:spPr>
+          <a:xfrm>
+            <a:off x="550046" y="922419"/>
+            <a:ext cx="11091909" cy="5308541"/>
+          </a:xfrm>
+        </p:spPr>
+        <p:txBody>
+          <a:bodyPr/>
+          <a:lstStyle/>
+          <a:p>
+            <a:r>
+              <a:rPr lang="en-US"/>
+              <a:t> Input: Stress of initial domain with changing of location of forces</a:t>
+            </a:r>
+          </a:p>
+          <a:p>
+            <a:r>
+              <a:rPr lang="en-US"/>
+              <a:t> Output: The optimal design from topology optimization</a:t>
+            </a:r>
+          </a:p>
+          <a:p>
+            <a:r>
+              <a:rPr lang="en-US"/>
+              <a:t> Topology optimization: Minimize the mass and stress constraint</a:t>
+            </a:r>
+          </a:p>
+        </p:txBody>
+      </p:sp>
+      <p:sp>
+        <p:nvSpPr>
+          <p:cNvPr id="4" name="Slide Number Placeholder 3">
+            <a:extLst>
+              <a:ext uri="{FF2B5EF4-FFF2-40B4-BE49-F238E27FC236}">
+                <a16:creationId xmlns:a16="http://schemas.microsoft.com/office/drawing/2014/main" id="{C037E668-083A-F82E-4CC6-EB65D118D829}"/>
+              </a:ext>
+            </a:extLst>
+          </p:cNvPr>
+          <p:cNvSpPr>
+            <a:spLocks noGrp="1"/>
+          </p:cNvSpPr>
+          <p:nvPr>
+            <p:ph type="sldNum" sz="quarter" idx="12"/>
+          </p:nvPr>
+        </p:nvSpPr>
+        <p:spPr/>
+        <p:txBody>
+          <a:bodyPr/>
+          <a:lstStyle/>
+          <a:p>
+            <a:fld id="{CC7697F5-3DCA-0A4F-B9EA-FEC2794BD1A6}" type="slidenum">
+              <a:rPr lang="en-US" smtClean="0"/>
+              <a:t>7</a:t>
+            </a:fld>
+            <a:endParaRPr lang="en-US"/>
+          </a:p>
+        </p:txBody>
+      </p:sp>
+      <p:pic>
+        <p:nvPicPr>
+          <p:cNvPr id="2" name="Picture 1" descr="A screenshot of a graph&#10;&#10;Description automatically generated">
+            <a:extLst>
+              <a:ext uri="{FF2B5EF4-FFF2-40B4-BE49-F238E27FC236}">
+                <a16:creationId xmlns:a16="http://schemas.microsoft.com/office/drawing/2014/main" id="{6C47E729-94FB-6EF3-A8B7-3B8C5334F8D0}"/>
+              </a:ext>
+            </a:extLst>
+          </p:cNvPr>
+          <p:cNvPicPr>
+            <a:picLocks noChangeAspect="1"/>
+          </p:cNvPicPr>
+          <p:nvPr/>
+        </p:nvPicPr>
+        <p:blipFill>
+          <a:blip r:embed="rId3">
+            <a:extLst>
+              <a:ext uri="{28A0092B-C50C-407E-A947-70E740481C1C}">
+                <a14:useLocalDpi xmlns:a14="http://schemas.microsoft.com/office/drawing/2010/main" val="0"/>
+              </a:ext>
+            </a:extLst>
+          </a:blip>
+          <a:srcRect l="26210" t="33982" r="50582" b="54354"/>
+          <a:stretch/>
+        </p:blipFill>
+        <p:spPr>
+          <a:xfrm>
+            <a:off x="8269566" y="3134802"/>
+            <a:ext cx="3833885" cy="1289739"/>
+          </a:xfrm>
+          <a:prstGeom prst="rect">
+            <a:avLst/>
+          </a:prstGeom>
+        </p:spPr>
+      </p:pic>
+      <p:pic>
+        <p:nvPicPr>
+          <p:cNvPr id="5" name="Picture 4" descr="A screenshot of a graph&#10;&#10;Description automatically generated">
+            <a:extLst>
+              <a:ext uri="{FF2B5EF4-FFF2-40B4-BE49-F238E27FC236}">
+                <a16:creationId xmlns:a16="http://schemas.microsoft.com/office/drawing/2014/main" id="{D8F9F818-43DC-8C42-5CBE-DBD8BA0224F2}"/>
+              </a:ext>
+            </a:extLst>
+          </p:cNvPr>
+          <p:cNvPicPr>
+            <a:picLocks noChangeAspect="1"/>
+          </p:cNvPicPr>
+          <p:nvPr/>
+        </p:nvPicPr>
+        <p:blipFill>
+          <a:blip r:embed="rId3">
+            <a:extLst>
+              <a:ext uri="{28A0092B-C50C-407E-A947-70E740481C1C}">
+                <a14:useLocalDpi xmlns:a14="http://schemas.microsoft.com/office/drawing/2010/main" val="0"/>
+              </a:ext>
+            </a:extLst>
+          </a:blip>
+          <a:srcRect l="1493" t="33945" r="75300" b="54391"/>
+          <a:stretch/>
+        </p:blipFill>
+        <p:spPr>
+          <a:xfrm>
+            <a:off x="4021411" y="3121226"/>
+            <a:ext cx="3946674" cy="1327682"/>
+          </a:xfrm>
+          <a:prstGeom prst="rect">
+            <a:avLst/>
+          </a:prstGeom>
+        </p:spPr>
+      </p:pic>
+      <p:pic>
+        <p:nvPicPr>
+          <p:cNvPr id="7" name="Picture 6">
+            <a:extLst>
+              <a:ext uri="{FF2B5EF4-FFF2-40B4-BE49-F238E27FC236}">
+                <a16:creationId xmlns:a16="http://schemas.microsoft.com/office/drawing/2014/main" id="{8BECD1A9-DCE7-9011-C3C5-262E77665371}"/>
+              </a:ext>
+            </a:extLst>
+          </p:cNvPr>
+          <p:cNvPicPr>
+            <a:picLocks noChangeAspect="1"/>
+          </p:cNvPicPr>
+          <p:nvPr/>
+        </p:nvPicPr>
+        <p:blipFill>
+          <a:blip r:embed="rId4"/>
+          <a:stretch>
+            <a:fillRect/>
+          </a:stretch>
+        </p:blipFill>
+        <p:spPr>
+          <a:xfrm>
+            <a:off x="260807" y="2975079"/>
+            <a:ext cx="3443883" cy="1546483"/>
+          </a:xfrm>
+          <a:prstGeom prst="rect">
+            <a:avLst/>
+          </a:prstGeom>
+        </p:spPr>
+      </p:pic>
+      <p:pic>
+        <p:nvPicPr>
+          <p:cNvPr id="8" name="Picture 7" descr="A screenshot of a graph&#10;&#10;Description automatically generated">
+            <a:extLst>
+              <a:ext uri="{FF2B5EF4-FFF2-40B4-BE49-F238E27FC236}">
+                <a16:creationId xmlns:a16="http://schemas.microsoft.com/office/drawing/2014/main" id="{F269CFDB-361E-EEED-FB03-34D67639CD8C}"/>
+              </a:ext>
+            </a:extLst>
+          </p:cNvPr>
+          <p:cNvPicPr>
+            <a:picLocks noChangeAspect="1"/>
+          </p:cNvPicPr>
+          <p:nvPr/>
+        </p:nvPicPr>
+        <p:blipFill>
+          <a:blip r:embed="rId3">
+            <a:extLst>
+              <a:ext uri="{28A0092B-C50C-407E-A947-70E740481C1C}">
+                <a14:useLocalDpi xmlns:a14="http://schemas.microsoft.com/office/drawing/2010/main" val="0"/>
+              </a:ext>
+            </a:extLst>
+          </a:blip>
+          <a:srcRect t="59698" r="75218" b="28077"/>
+          <a:stretch/>
+        </p:blipFill>
+        <p:spPr>
+          <a:xfrm>
+            <a:off x="3815853" y="5037118"/>
+            <a:ext cx="4158731" cy="1373115"/>
+          </a:xfrm>
+          <a:prstGeom prst="rect">
+            <a:avLst/>
+          </a:prstGeom>
+        </p:spPr>
+      </p:pic>
+      <p:pic>
+        <p:nvPicPr>
+          <p:cNvPr id="10" name="Picture 9">
+            <a:extLst>
+              <a:ext uri="{FF2B5EF4-FFF2-40B4-BE49-F238E27FC236}">
+                <a16:creationId xmlns:a16="http://schemas.microsoft.com/office/drawing/2014/main" id="{AAE389D2-1D5D-0824-8E1F-7203DB51A6F8}"/>
+              </a:ext>
+            </a:extLst>
+          </p:cNvPr>
+          <p:cNvPicPr>
+            <a:picLocks noChangeAspect="1"/>
+          </p:cNvPicPr>
+          <p:nvPr/>
+        </p:nvPicPr>
+        <p:blipFill>
+          <a:blip r:embed="rId5"/>
+          <a:stretch>
+            <a:fillRect/>
+          </a:stretch>
+        </p:blipFill>
+        <p:spPr>
+          <a:xfrm>
+            <a:off x="249085" y="4919099"/>
+            <a:ext cx="3507371" cy="1585841"/>
+          </a:xfrm>
+          <a:prstGeom prst="rect">
+            <a:avLst/>
+          </a:prstGeom>
+        </p:spPr>
+      </p:pic>
+      <p:pic>
+        <p:nvPicPr>
+          <p:cNvPr id="12" name="Picture 11" descr="A screenshot of a graph&#10;&#10;Description automatically generated">
+            <a:extLst>
+              <a:ext uri="{FF2B5EF4-FFF2-40B4-BE49-F238E27FC236}">
+                <a16:creationId xmlns:a16="http://schemas.microsoft.com/office/drawing/2014/main" id="{CBF84EF2-C624-9871-91A5-DB747F107A08}"/>
+              </a:ext>
+            </a:extLst>
+          </p:cNvPr>
+          <p:cNvPicPr>
+            <a:picLocks noChangeAspect="1"/>
+          </p:cNvPicPr>
+          <p:nvPr/>
+        </p:nvPicPr>
+        <p:blipFill>
+          <a:blip r:embed="rId3">
+            <a:extLst>
+              <a:ext uri="{28A0092B-C50C-407E-A947-70E740481C1C}">
+                <a14:useLocalDpi xmlns:a14="http://schemas.microsoft.com/office/drawing/2010/main" val="0"/>
+              </a:ext>
+            </a:extLst>
+          </a:blip>
+          <a:srcRect l="26252" t="59698" r="50482" b="28077"/>
+          <a:stretch/>
+        </p:blipFill>
+        <p:spPr>
+          <a:xfrm>
+            <a:off x="8276065" y="5033062"/>
+            <a:ext cx="3915935" cy="1377171"/>
+          </a:xfrm>
+          <a:prstGeom prst="rect">
+            <a:avLst/>
+          </a:prstGeom>
+        </p:spPr>
+      </p:pic>
+      <p:sp>
+        <p:nvSpPr>
+          <p:cNvPr id="13" name="TextBox 12">
+            <a:extLst>
+              <a:ext uri="{FF2B5EF4-FFF2-40B4-BE49-F238E27FC236}">
+                <a16:creationId xmlns:a16="http://schemas.microsoft.com/office/drawing/2014/main" id="{3FD9E087-7F97-7E52-B76F-FB1D6A4B3F49}"/>
+              </a:ext>
+            </a:extLst>
+          </p:cNvPr>
+          <p:cNvSpPr txBox="1"/>
+          <p:nvPr/>
+        </p:nvSpPr>
+        <p:spPr>
+          <a:xfrm>
+            <a:off x="675331" y="2571059"/>
+            <a:ext cx="2662835" cy="400110"/>
+          </a:xfrm>
+          <a:prstGeom prst="rect">
+            <a:avLst/>
+          </a:prstGeom>
+          <a:noFill/>
+        </p:spPr>
+        <p:txBody>
+          <a:bodyPr wrap="square">
+            <a:spAutoFit/>
+          </a:bodyPr>
+          <a:lstStyle/>
+          <a:p>
+            <a:pPr algn="ctr">
+              <a:spcAft>
+                <a:spcPts val="800"/>
+              </a:spcAft>
+            </a:pPr>
+            <a:r>
+              <a:rPr lang="en-US" sz="2000" b="1" kern="100">
+                <a:latin typeface="Calibri" panose="020F0502020204030204" pitchFamily="34" charset="0"/>
+                <a:ea typeface="Calibri" panose="020F0502020204030204" pitchFamily="34" charset="0"/>
+                <a:cs typeface="Times New Roman" panose="02020603050405020304" pitchFamily="18" charset="0"/>
+              </a:rPr>
+              <a:t>Boundary conditions</a:t>
+            </a:r>
+            <a:endParaRPr lang="en-US" sz="2000" b="1" kern="100" dirty="0">
+              <a:latin typeface="Calibri" panose="020F0502020204030204" pitchFamily="34" charset="0"/>
+              <a:ea typeface="Calibri" panose="020F0502020204030204" pitchFamily="34" charset="0"/>
+              <a:cs typeface="Times New Roman" panose="02020603050405020304" pitchFamily="18" charset="0"/>
+            </a:endParaRPr>
+          </a:p>
+        </p:txBody>
+      </p:sp>
+      <p:sp>
+        <p:nvSpPr>
+          <p:cNvPr id="14" name="TextBox 13">
+            <a:extLst>
+              <a:ext uri="{FF2B5EF4-FFF2-40B4-BE49-F238E27FC236}">
+                <a16:creationId xmlns:a16="http://schemas.microsoft.com/office/drawing/2014/main" id="{BF4447BF-85A2-C5B0-A2E5-BE78DFD1B479}"/>
+              </a:ext>
+            </a:extLst>
+          </p:cNvPr>
+          <p:cNvSpPr txBox="1"/>
+          <p:nvPr/>
+        </p:nvSpPr>
+        <p:spPr>
+          <a:xfrm>
+            <a:off x="4998981" y="2579311"/>
+            <a:ext cx="1981200" cy="400110"/>
+          </a:xfrm>
+          <a:prstGeom prst="rect">
+            <a:avLst/>
+          </a:prstGeom>
+          <a:noFill/>
+        </p:spPr>
+        <p:txBody>
+          <a:bodyPr wrap="square">
+            <a:spAutoFit/>
+          </a:bodyPr>
+          <a:lstStyle/>
+          <a:p>
+            <a:pPr algn="ctr">
+              <a:spcAft>
+                <a:spcPts val="800"/>
+              </a:spcAft>
+            </a:pPr>
+            <a:r>
+              <a:rPr lang="en-US" sz="2000" b="1" kern="100">
+                <a:latin typeface="Calibri" panose="020F0502020204030204" pitchFamily="34" charset="0"/>
+                <a:ea typeface="Calibri" panose="020F0502020204030204" pitchFamily="34" charset="0"/>
+                <a:cs typeface="Times New Roman" panose="02020603050405020304" pitchFamily="18" charset="0"/>
+              </a:rPr>
+              <a:t>Input: Stress</a:t>
+            </a:r>
+            <a:endParaRPr lang="en-US" sz="2000" b="1" kern="100" dirty="0">
+              <a:latin typeface="Calibri" panose="020F0502020204030204" pitchFamily="34" charset="0"/>
+              <a:ea typeface="Calibri" panose="020F0502020204030204" pitchFamily="34" charset="0"/>
+              <a:cs typeface="Times New Roman" panose="02020603050405020304" pitchFamily="18" charset="0"/>
+            </a:endParaRPr>
+          </a:p>
+        </p:txBody>
+      </p:sp>
+      <p:sp>
+        <p:nvSpPr>
+          <p:cNvPr id="15" name="TextBox 14">
+            <a:extLst>
+              <a:ext uri="{FF2B5EF4-FFF2-40B4-BE49-F238E27FC236}">
+                <a16:creationId xmlns:a16="http://schemas.microsoft.com/office/drawing/2014/main" id="{AB68C773-935E-E506-9E03-17388953C02B}"/>
+              </a:ext>
+            </a:extLst>
+          </p:cNvPr>
+          <p:cNvSpPr txBox="1"/>
+          <p:nvPr/>
+        </p:nvSpPr>
+        <p:spPr>
+          <a:xfrm>
+            <a:off x="8487311" y="2632673"/>
+            <a:ext cx="2813538" cy="400110"/>
+          </a:xfrm>
+          <a:prstGeom prst="rect">
+            <a:avLst/>
+          </a:prstGeom>
+          <a:noFill/>
+        </p:spPr>
+        <p:txBody>
+          <a:bodyPr wrap="square">
+            <a:spAutoFit/>
+          </a:bodyPr>
+          <a:lstStyle/>
+          <a:p>
+            <a:pPr algn="ctr">
+              <a:spcAft>
+                <a:spcPts val="800"/>
+              </a:spcAft>
+            </a:pPr>
+            <a:r>
+              <a:rPr lang="en-US" sz="2000" b="1" kern="100">
+                <a:latin typeface="Calibri" panose="020F0502020204030204" pitchFamily="34" charset="0"/>
+                <a:ea typeface="Calibri" panose="020F0502020204030204" pitchFamily="34" charset="0"/>
+                <a:cs typeface="Times New Roman" panose="02020603050405020304" pitchFamily="18" charset="0"/>
+              </a:rPr>
+              <a:t>Output: Optimal design</a:t>
+            </a:r>
+            <a:endParaRPr lang="en-US" sz="2000" b="1" kern="100" dirty="0">
+              <a:latin typeface="Calibri" panose="020F0502020204030204" pitchFamily="34" charset="0"/>
+              <a:ea typeface="Calibri" panose="020F0502020204030204" pitchFamily="34" charset="0"/>
+              <a:cs typeface="Times New Roman" panose="02020603050405020304" pitchFamily="18" charset="0"/>
+            </a:endParaRPr>
+          </a:p>
+        </p:txBody>
+      </p:sp>
+    </p:spTree>
+    <p:extLst>
+      <p:ext uri="{BB962C8B-B14F-4D97-AF65-F5344CB8AC3E}">
+        <p14:creationId xmlns:p14="http://schemas.microsoft.com/office/powerpoint/2010/main" val="1953546671"/>
+      </p:ext>
+    </p:extLst>
+  </p:cSld>
+  <p:clrMapOvr>
+    <a:masterClrMapping/>
+  </p:clrMapOvr>
+</p:sld>
+</file>
+
+<file path=ppt/slides/slide8.xml><?xml version="1.0" encoding="utf-8"?>
 <p:sld xmlns:a="http://schemas.openxmlformats.org/drawingml/2006/main" xmlns:r="http://schemas.openxmlformats.org/officeDocument/2006/relationships" xmlns:p="http://schemas.openxmlformats.org/presentationml/2006/main">
   <p:cSld>
     <p:spTree>
@@ -7905,7 +8768,7 @@
           <a:p>
             <a:fld id="{CC7697F5-3DCA-0A4F-B9EA-FEC2794BD1A6}" type="slidenum">
               <a:rPr lang="en-US" smtClean="0"/>
-              <a:t>7</a:t>
+              <a:t>8</a:t>
             </a:fld>
             <a:endParaRPr lang="en-US"/>
           </a:p>
@@ -8024,7 +8887,7 @@
 </p:sld>
 </file>
 
-<file path=ppt/slides/slide8.xml><?xml version="1.0" encoding="utf-8"?>
+<file path=ppt/slides/slide9.xml><?xml version="1.0" encoding="utf-8"?>
 <p:sld xmlns:a="http://schemas.openxmlformats.org/drawingml/2006/main" xmlns:r="http://schemas.openxmlformats.org/officeDocument/2006/relationships" xmlns:p="http://schemas.openxmlformats.org/presentationml/2006/main">
   <p:cSld>
     <p:spTree>
@@ -8140,7 +9003,7 @@
           <a:p>
             <a:fld id="{CC7697F5-3DCA-0A4F-B9EA-FEC2794BD1A6}" type="slidenum">
               <a:rPr lang="en-US" smtClean="0"/>
-              <a:t>8</a:t>
+              <a:t>9</a:t>
             </a:fld>
             <a:endParaRPr lang="en-US"/>
           </a:p>
@@ -8256,271 +9119,6 @@
     <p:extLst>
       <p:ext uri="{BB962C8B-B14F-4D97-AF65-F5344CB8AC3E}">
         <p14:creationId xmlns:p14="http://schemas.microsoft.com/office/powerpoint/2010/main" val="1115531594"/>
-      </p:ext>
-    </p:extLst>
-  </p:cSld>
-  <p:clrMapOvr>
-    <a:masterClrMapping/>
-  </p:clrMapOvr>
-</p:sld>
-</file>
-
-<file path=ppt/slides/slide9.xml><?xml version="1.0" encoding="utf-8"?>
-<p:sld xmlns:a="http://schemas.openxmlformats.org/drawingml/2006/main" xmlns:r="http://schemas.openxmlformats.org/officeDocument/2006/relationships" xmlns:p="http://schemas.openxmlformats.org/presentationml/2006/main">
-  <p:cSld>
-    <p:spTree>
-      <p:nvGrpSpPr>
-        <p:cNvPr id="1" name="">
-          <a:extLst>
-            <a:ext uri="{FF2B5EF4-FFF2-40B4-BE49-F238E27FC236}">
-              <a16:creationId xmlns:a16="http://schemas.microsoft.com/office/drawing/2014/main" id="{1197177B-D222-A46A-D026-6F5B932E957E}"/>
-            </a:ext>
-          </a:extLst>
-        </p:cNvPr>
-        <p:cNvGrpSpPr/>
-        <p:nvPr/>
-      </p:nvGrpSpPr>
-      <p:grpSpPr>
-        <a:xfrm>
-          <a:off x="0" y="0"/>
-          <a:ext cx="0" cy="0"/>
-          <a:chOff x="0" y="0"/>
-          <a:chExt cx="0" cy="0"/>
-        </a:xfrm>
-      </p:grpSpPr>
-      <p:sp>
-        <p:nvSpPr>
-          <p:cNvPr id="2" name="Title 1">
-            <a:extLst>
-              <a:ext uri="{FF2B5EF4-FFF2-40B4-BE49-F238E27FC236}">
-                <a16:creationId xmlns:a16="http://schemas.microsoft.com/office/drawing/2014/main" id="{54DA4029-C59F-A460-7EE5-4F6FC2582141}"/>
-              </a:ext>
-            </a:extLst>
-          </p:cNvPr>
-          <p:cNvSpPr>
-            <a:spLocks noGrp="1"/>
-          </p:cNvSpPr>
-          <p:nvPr>
-            <p:ph type="title"/>
-          </p:nvPr>
-        </p:nvSpPr>
-        <p:spPr/>
-        <p:txBody>
-          <a:bodyPr>
-            <a:normAutofit/>
-          </a:bodyPr>
-          <a:lstStyle/>
-          <a:p>
-            <a:r>
-              <a:rPr lang="en-US" sz="3200" b="1">
-                <a:solidFill>
-                  <a:schemeClr val="bg1"/>
-                </a:solidFill>
-              </a:rPr>
-              <a:t>Challenges in Topology Optimization</a:t>
-            </a:r>
-          </a:p>
-        </p:txBody>
-      </p:sp>
-      <p:sp>
-        <p:nvSpPr>
-          <p:cNvPr id="11" name="Content Placeholder 10">
-            <a:extLst>
-              <a:ext uri="{FF2B5EF4-FFF2-40B4-BE49-F238E27FC236}">
-                <a16:creationId xmlns:a16="http://schemas.microsoft.com/office/drawing/2014/main" id="{75138363-C2C4-57DE-39CC-6F1B6BA36872}"/>
-              </a:ext>
-            </a:extLst>
-          </p:cNvPr>
-          <p:cNvSpPr>
-            <a:spLocks noGrp="1"/>
-          </p:cNvSpPr>
-          <p:nvPr>
-            <p:ph idx="1"/>
-          </p:nvPr>
-        </p:nvSpPr>
-        <p:spPr>
-          <a:xfrm>
-            <a:off x="393382" y="1012055"/>
-            <a:ext cx="3160109" cy="5308541"/>
-          </a:xfrm>
-        </p:spPr>
-        <p:txBody>
-          <a:bodyPr/>
-          <a:lstStyle/>
-          <a:p>
-            <a:r>
-              <a:rPr lang="en-US"/>
-              <a:t> Times:</a:t>
-            </a:r>
-          </a:p>
-          <a:p>
-            <a:pPr lvl="1"/>
-            <a:r>
-              <a:rPr lang="en-US"/>
-              <a:t> TO = 137 s</a:t>
-            </a:r>
-          </a:p>
-          <a:p>
-            <a:pPr lvl="1"/>
-            <a:r>
-              <a:rPr lang="en-US"/>
-              <a:t> CNN = 0.005 s</a:t>
-            </a:r>
-          </a:p>
-          <a:p>
-            <a:pPr lvl="1"/>
-            <a:r>
-              <a:rPr lang="en-US"/>
-              <a:t> Unet = 0.001 s</a:t>
-            </a:r>
-          </a:p>
-          <a:p>
-            <a:r>
-              <a:rPr lang="en-US"/>
-              <a:t> </a:t>
-            </a:r>
-          </a:p>
-        </p:txBody>
-      </p:sp>
-      <p:sp>
-        <p:nvSpPr>
-          <p:cNvPr id="4" name="Slide Number Placeholder 3">
-            <a:extLst>
-              <a:ext uri="{FF2B5EF4-FFF2-40B4-BE49-F238E27FC236}">
-                <a16:creationId xmlns:a16="http://schemas.microsoft.com/office/drawing/2014/main" id="{1A7589B0-FA2D-E0BD-A173-603856EC6848}"/>
-              </a:ext>
-            </a:extLst>
-          </p:cNvPr>
-          <p:cNvSpPr>
-            <a:spLocks noGrp="1"/>
-          </p:cNvSpPr>
-          <p:nvPr>
-            <p:ph type="sldNum" sz="quarter" idx="12"/>
-          </p:nvPr>
-        </p:nvSpPr>
-        <p:spPr/>
-        <p:txBody>
-          <a:bodyPr/>
-          <a:lstStyle/>
-          <a:p>
-            <a:fld id="{CC7697F5-3DCA-0A4F-B9EA-FEC2794BD1A6}" type="slidenum">
-              <a:rPr lang="en-US" smtClean="0"/>
-              <a:t>9</a:t>
-            </a:fld>
-            <a:endParaRPr lang="en-US"/>
-          </a:p>
-        </p:txBody>
-      </p:sp>
-      <p:sp>
-        <p:nvSpPr>
-          <p:cNvPr id="8" name="Google Shape;148;p6">
-            <a:extLst>
-              <a:ext uri="{FF2B5EF4-FFF2-40B4-BE49-F238E27FC236}">
-                <a16:creationId xmlns:a16="http://schemas.microsoft.com/office/drawing/2014/main" id="{273A8EC4-AAAA-257D-FA44-978574A84901}"/>
-              </a:ext>
-            </a:extLst>
-          </p:cNvPr>
-          <p:cNvSpPr txBox="1">
-            <a:spLocks/>
-          </p:cNvSpPr>
-          <p:nvPr/>
-        </p:nvSpPr>
-        <p:spPr>
-          <a:xfrm>
-            <a:off x="550416" y="60172"/>
-            <a:ext cx="11091909" cy="827597"/>
-          </a:xfrm>
-          <a:prstGeom prst="rect">
-            <a:avLst/>
-          </a:prstGeom>
-          <a:noFill/>
-          <a:ln>
-            <a:noFill/>
-          </a:ln>
-        </p:spPr>
-        <p:txBody>
-          <a:bodyPr spcFirstLastPara="1" vert="horz" wrap="square" lIns="91425" tIns="45700" rIns="91425" bIns="45700" rtlCol="0" anchor="ctr" anchorCtr="0">
-            <a:normAutofit/>
-          </a:bodyPr>
-          <a:lstStyle>
-            <a:lvl1pPr algn="ctr" defTabSz="914423" rtl="0" eaLnBrk="1" latinLnBrk="0" hangingPunct="1">
-              <a:lnSpc>
-                <a:spcPct val="90000"/>
-              </a:lnSpc>
-              <a:spcBef>
-                <a:spcPct val="0"/>
-              </a:spcBef>
-              <a:buNone/>
-              <a:defRPr sz="4400" kern="1200">
-                <a:solidFill>
-                  <a:srgbClr val="C00000"/>
-                </a:solidFill>
-                <a:latin typeface="Calibri" panose="020F0502020204030204" pitchFamily="34" charset="0"/>
-                <a:ea typeface="Calibri" panose="020F0502020204030204" pitchFamily="34" charset="0"/>
-                <a:cs typeface="Calibri" panose="020F0502020204030204" pitchFamily="34" charset="0"/>
-              </a:defRPr>
-            </a:lvl1pPr>
-          </a:lstStyle>
-          <a:p>
-            <a:pPr>
-              <a:spcBef>
-                <a:spcPts val="0"/>
-              </a:spcBef>
-              <a:buClr>
-                <a:srgbClr val="FFFFFF"/>
-              </a:buClr>
-              <a:buSzPct val="100000"/>
-              <a:buFont typeface="Arial"/>
-              <a:buNone/>
-            </a:pPr>
-            <a:r>
-              <a:rPr lang="en-US"/>
-              <a:t>Prediction</a:t>
-            </a:r>
-            <a:endParaRPr lang="en-US" dirty="0"/>
-          </a:p>
-        </p:txBody>
-      </p:sp>
-      <p:pic>
-        <p:nvPicPr>
-          <p:cNvPr id="15" name="Picture 14" descr="A screenshot of a graph&#10;&#10;Description automatically generated">
-            <a:extLst>
-              <a:ext uri="{FF2B5EF4-FFF2-40B4-BE49-F238E27FC236}">
-                <a16:creationId xmlns:a16="http://schemas.microsoft.com/office/drawing/2014/main" id="{D6E573ED-DBF5-A102-D961-1260630756B8}"/>
-              </a:ext>
-            </a:extLst>
-          </p:cNvPr>
-          <p:cNvPicPr>
-            <a:picLocks noChangeAspect="1"/>
-          </p:cNvPicPr>
-          <p:nvPr/>
-        </p:nvPicPr>
-        <p:blipFill>
-          <a:blip r:embed="rId3">
-            <a:extLst>
-              <a:ext uri="{28A0092B-C50C-407E-A947-70E740481C1C}">
-                <a14:useLocalDpi xmlns:a14="http://schemas.microsoft.com/office/drawing/2010/main" val="0"/>
-              </a:ext>
-            </a:extLst>
-          </a:blip>
-          <a:stretch>
-            <a:fillRect/>
-          </a:stretch>
-        </p:blipFill>
-        <p:spPr>
-          <a:xfrm>
-            <a:off x="3553491" y="887769"/>
-            <a:ext cx="8381487" cy="5609868"/>
-          </a:xfrm>
-          <a:prstGeom prst="rect">
-            <a:avLst/>
-          </a:prstGeom>
-        </p:spPr>
-      </p:pic>
-    </p:spTree>
-    <p:extLst>
-      <p:ext uri="{BB962C8B-B14F-4D97-AF65-F5344CB8AC3E}">
-        <p14:creationId xmlns:p14="http://schemas.microsoft.com/office/powerpoint/2010/main" val="2795469034"/>
       </p:ext>
     </p:extLst>
   </p:cSld>
